--- a/DATOS COVID Chile 2022 02 12.pptx
+++ b/DATOS COVID Chile 2022 02 12.pptx
@@ -7794,7 +7794,7 @@
           <p:nvPr>
             <p:extLst>
               <p:ext uri="{D42A27DB-BD31-4B8C-83A1-F6EECF244321}">
-                <p14:modId xmlns:p14="http://schemas.microsoft.com/office/powerpoint/2010/main" val="1029138561"/>
+                <p14:modId xmlns:p14="http://schemas.microsoft.com/office/powerpoint/2010/main" val="950288123"/>
               </p:ext>
             </p:extLst>
           </p:nvPr>
@@ -8017,7 +8017,7 @@
                             <a:srgbClr val="FF0000"/>
                           </a:solidFill>
                         </a:rPr>
-                        <a:t> &gt; 1,9 </a:t>
+                        <a:t>&gt; 1,9 </a:t>
                       </a:r>
                       <a:r>
                         <a:rPr lang="en-US" sz="2400" b="1" dirty="0" err="1">
@@ -9682,6 +9682,84 @@
           </a:prstGeom>
         </p:spPr>
       </p:pic>
+      <p:sp>
+        <p:nvSpPr>
+          <p:cNvPr id="4" name="TextBox 3">
+            <a:extLst>
+              <a:ext uri="{FF2B5EF4-FFF2-40B4-BE49-F238E27FC236}">
+                <a16:creationId xmlns:a16="http://schemas.microsoft.com/office/drawing/2014/main" id="{396FACAB-02D1-264C-ADF5-B35C75E76700}"/>
+              </a:ext>
+            </a:extLst>
+          </p:cNvPr>
+          <p:cNvSpPr txBox="1"/>
+          <p:nvPr/>
+        </p:nvSpPr>
+        <p:spPr>
+          <a:xfrm>
+            <a:off x="3255804" y="3429000"/>
+            <a:ext cx="2612382" cy="369332"/>
+          </a:xfrm>
+          <a:prstGeom prst="rect">
+            <a:avLst/>
+          </a:prstGeom>
+          <a:noFill/>
+        </p:spPr>
+        <p:txBody>
+          <a:bodyPr wrap="none" rtlCol="0">
+            <a:spAutoFit/>
+          </a:bodyPr>
+          <a:lstStyle/>
+          <a:p>
+            <a:r>
+              <a:rPr lang="en-US" b="1" dirty="0">
+                <a:solidFill>
+                  <a:srgbClr val="0802F6"/>
+                </a:solidFill>
+              </a:rPr>
+              <a:t>INFLUENZA (2016 a 2022)</a:t>
+            </a:r>
+          </a:p>
+        </p:txBody>
+      </p:sp>
+      <p:sp>
+        <p:nvSpPr>
+          <p:cNvPr id="6" name="TextBox 5">
+            <a:extLst>
+              <a:ext uri="{FF2B5EF4-FFF2-40B4-BE49-F238E27FC236}">
+                <a16:creationId xmlns:a16="http://schemas.microsoft.com/office/drawing/2014/main" id="{573A7486-74C9-A44D-A9FC-340D6FCB756D}"/>
+              </a:ext>
+            </a:extLst>
+          </p:cNvPr>
+          <p:cNvSpPr txBox="1"/>
+          <p:nvPr/>
+        </p:nvSpPr>
+        <p:spPr>
+          <a:xfrm>
+            <a:off x="9398987" y="998009"/>
+            <a:ext cx="1681229" cy="369332"/>
+          </a:xfrm>
+          <a:prstGeom prst="rect">
+            <a:avLst/>
+          </a:prstGeom>
+          <a:noFill/>
+        </p:spPr>
+        <p:txBody>
+          <a:bodyPr wrap="none" rtlCol="0">
+            <a:spAutoFit/>
+          </a:bodyPr>
+          <a:lstStyle/>
+          <a:p>
+            <a:r>
+              <a:rPr lang="en-US" b="1" dirty="0">
+                <a:solidFill>
+                  <a:srgbClr val="FE0000"/>
+                </a:solidFill>
+              </a:rPr>
+              <a:t>OMICRON 2022</a:t>
+            </a:r>
+          </a:p>
+        </p:txBody>
+      </p:sp>
     </p:spTree>
     <p:extLst>
       <p:ext uri="{BB962C8B-B14F-4D97-AF65-F5344CB8AC3E}">
